--- a/2022/June_Batch/5Javascript/Problem-Statement/4regularexpression.pptx
+++ b/2022/June_Batch/5Javascript/Problem-Statement/4regularexpression.pptx
@@ -13,11 +13,12 @@
     <p:sldId id="261" r:id="rId7"/>
     <p:sldId id="262" r:id="rId8"/>
     <p:sldId id="264" r:id="rId9"/>
-    <p:sldId id="265" r:id="rId10"/>
-    <p:sldId id="266" r:id="rId11"/>
-    <p:sldId id="267" r:id="rId12"/>
-    <p:sldId id="268" r:id="rId13"/>
-    <p:sldId id="269" r:id="rId14"/>
+    <p:sldId id="270" r:id="rId10"/>
+    <p:sldId id="265" r:id="rId11"/>
+    <p:sldId id="266" r:id="rId12"/>
+    <p:sldId id="267" r:id="rId13"/>
+    <p:sldId id="268" r:id="rId14"/>
+    <p:sldId id="269" r:id="rId15"/>
   </p:sldIdLst>
   <p:sldSz cx="9144000" cy="6858000" type="screen4x3"/>
   <p:notesSz cx="6858000" cy="9144000"/>
@@ -390,7 +391,7 @@
             <a:fld id="{A5CF73F8-CD1A-43F6-88E0-997FEE3A65FF}" type="datetimeFigureOut">
               <a:rPr lang="en-US" smtClean="0"/>
               <a:pPr/>
-              <a:t>6/28/2022</a:t>
+              <a:t>8/17/2022</a:t>
             </a:fld>
             <a:endParaRPr lang="en-US"/>
           </a:p>
@@ -591,7 +592,7 @@
             <a:fld id="{A5CF73F8-CD1A-43F6-88E0-997FEE3A65FF}" type="datetimeFigureOut">
               <a:rPr lang="en-US" smtClean="0"/>
               <a:pPr/>
-              <a:t>6/28/2022</a:t>
+              <a:t>8/17/2022</a:t>
             </a:fld>
             <a:endParaRPr lang="en-US"/>
           </a:p>
@@ -783,7 +784,7 @@
             <a:fld id="{A5CF73F8-CD1A-43F6-88E0-997FEE3A65FF}" type="datetimeFigureOut">
               <a:rPr lang="en-US" smtClean="0"/>
               <a:pPr/>
-              <a:t>6/28/2022</a:t>
+              <a:t>8/17/2022</a:t>
             </a:fld>
             <a:endParaRPr lang="en-US"/>
           </a:p>
@@ -977,7 +978,7 @@
             <a:fld id="{A5CF73F8-CD1A-43F6-88E0-997FEE3A65FF}" type="datetimeFigureOut">
               <a:rPr lang="en-US" smtClean="0"/>
               <a:pPr/>
-              <a:t>6/28/2022</a:t>
+              <a:t>8/17/2022</a:t>
             </a:fld>
             <a:endParaRPr lang="en-US"/>
           </a:p>
@@ -1205,7 +1206,7 @@
             <a:fld id="{A5CF73F8-CD1A-43F6-88E0-997FEE3A65FF}" type="datetimeFigureOut">
               <a:rPr lang="en-US" smtClean="0"/>
               <a:pPr/>
-              <a:t>6/28/2022</a:t>
+              <a:t>8/17/2022</a:t>
             </a:fld>
             <a:endParaRPr lang="en-US"/>
           </a:p>
@@ -1498,7 +1499,7 @@
             <a:fld id="{A5CF73F8-CD1A-43F6-88E0-997FEE3A65FF}" type="datetimeFigureOut">
               <a:rPr lang="en-US" smtClean="0"/>
               <a:pPr/>
-              <a:t>6/28/2022</a:t>
+              <a:t>8/17/2022</a:t>
             </a:fld>
             <a:endParaRPr lang="en-US"/>
           </a:p>
@@ -1931,7 +1932,7 @@
             <a:fld id="{A5CF73F8-CD1A-43F6-88E0-997FEE3A65FF}" type="datetimeFigureOut">
               <a:rPr lang="en-US" smtClean="0"/>
               <a:pPr/>
-              <a:t>6/28/2022</a:t>
+              <a:t>8/17/2022</a:t>
             </a:fld>
             <a:endParaRPr lang="en-US"/>
           </a:p>
@@ -2059,7 +2060,7 @@
             <a:fld id="{A5CF73F8-CD1A-43F6-88E0-997FEE3A65FF}" type="datetimeFigureOut">
               <a:rPr lang="en-US" smtClean="0"/>
               <a:pPr/>
-              <a:t>6/28/2022</a:t>
+              <a:t>8/17/2022</a:t>
             </a:fld>
             <a:endParaRPr lang="en-US"/>
           </a:p>
@@ -2164,7 +2165,7 @@
             <a:fld id="{A5CF73F8-CD1A-43F6-88E0-997FEE3A65FF}" type="datetimeFigureOut">
               <a:rPr lang="en-US" smtClean="0"/>
               <a:pPr/>
-              <a:t>6/28/2022</a:t>
+              <a:t>8/17/2022</a:t>
             </a:fld>
             <a:endParaRPr lang="en-US"/>
           </a:p>
@@ -2435,7 +2436,7 @@
             <a:fld id="{A5CF73F8-CD1A-43F6-88E0-997FEE3A65FF}" type="datetimeFigureOut">
               <a:rPr lang="en-US" smtClean="0"/>
               <a:pPr/>
-              <a:t>6/28/2022</a:t>
+              <a:t>8/17/2022</a:t>
             </a:fld>
             <a:endParaRPr lang="en-US"/>
           </a:p>
@@ -2801,7 +2802,7 @@
             <a:fld id="{A5CF73F8-CD1A-43F6-88E0-997FEE3A65FF}" type="datetimeFigureOut">
               <a:rPr lang="en-US" smtClean="0"/>
               <a:pPr/>
-              <a:t>6/28/2022</a:t>
+              <a:t>8/17/2022</a:t>
             </a:fld>
             <a:endParaRPr lang="en-US"/>
           </a:p>
@@ -3158,7 +3159,7 @@
             <a:fld id="{A5CF73F8-CD1A-43F6-88E0-997FEE3A65FF}" type="datetimeFigureOut">
               <a:rPr lang="en-US" smtClean="0"/>
               <a:pPr/>
-              <a:t>6/28/2022</a:t>
+              <a:t>8/17/2022</a:t>
             </a:fld>
             <a:endParaRPr lang="en-US"/>
           </a:p>
@@ -3690,13 +3691,25 @@
         <p:spPr/>
         <p:txBody>
           <a:bodyPr>
-            <a:normAutofit/>
+            <a:normAutofit fontScale="90000"/>
           </a:bodyPr>
           <a:lstStyle/>
           <a:p>
             <a:r>
+              <a:rPr lang="en-IN" dirty="0" err="1" smtClean="0"/>
+              <a:t>firstName</a:t>
+            </a:r>
+            <a:r>
               <a:rPr lang="en-IN" dirty="0" smtClean="0"/>
-              <a:t>Email validation</a:t>
+              <a:t> and </a:t>
+            </a:r>
+            <a:r>
+              <a:rPr lang="en-IN" dirty="0" err="1" smtClean="0"/>
+              <a:t>LastName</a:t>
+            </a:r>
+            <a:r>
+              <a:rPr lang="en-IN" dirty="0" smtClean="0"/>
+              <a:t> validation</a:t>
             </a:r>
             <a:endParaRPr lang="en-US" dirty="0"/>
           </a:p>
@@ -3723,7 +3736,7 @@
       </p:sp>
       <p:pic>
         <p:nvPicPr>
-          <p:cNvPr id="2050" name="Picture 2"/>
+          <p:cNvPr id="3" name="Picture 2"/>
           <p:cNvPicPr>
             <a:picLocks noChangeAspect="1" noChangeArrowheads="1"/>
           </p:cNvPicPr>
@@ -3738,8 +3751,8 @@
         </p:blipFill>
         <p:spPr bwMode="auto">
           <a:xfrm>
-            <a:off x="1071538" y="2786058"/>
-            <a:ext cx="6534150" cy="2571768"/>
+            <a:off x="1428728" y="2214554"/>
+            <a:ext cx="5534025" cy="3786214"/>
           </a:xfrm>
           <a:prstGeom prst="rect">
             <a:avLst/>
@@ -3798,11 +3811,7 @@
           <a:p>
             <a:r>
               <a:rPr lang="en-IN" dirty="0" smtClean="0"/>
-              <a:t>Password</a:t>
-            </a:r>
-            <a:r>
-              <a:rPr lang="en-IN" dirty="0" smtClean="0"/>
-              <a:t> validation</a:t>
+              <a:t>Email validation</a:t>
             </a:r>
             <a:endParaRPr lang="en-US" dirty="0"/>
           </a:p>
@@ -3829,7 +3838,7 @@
       </p:sp>
       <p:pic>
         <p:nvPicPr>
-          <p:cNvPr id="3074" name="Picture 2"/>
+          <p:cNvPr id="2050" name="Picture 2"/>
           <p:cNvPicPr>
             <a:picLocks noChangeAspect="1" noChangeArrowheads="1"/>
           </p:cNvPicPr>
@@ -3844,8 +3853,8 @@
         </p:blipFill>
         <p:spPr bwMode="auto">
           <a:xfrm>
-            <a:off x="714348" y="2285992"/>
-            <a:ext cx="7048500" cy="2786082"/>
+            <a:off x="1071538" y="2786058"/>
+            <a:ext cx="6534150" cy="2571768"/>
           </a:xfrm>
           <a:prstGeom prst="rect">
             <a:avLst/>
@@ -3903,8 +3912,8 @@
           <a:lstStyle/>
           <a:p>
             <a:r>
-              <a:rPr lang="en-US" dirty="0" smtClean="0"/>
-              <a:t>Phone number validation</a:t>
+              <a:rPr lang="en-IN" dirty="0" smtClean="0"/>
+              <a:t>Password validation</a:t>
             </a:r>
             <a:endParaRPr lang="en-US" dirty="0"/>
           </a:p>
@@ -3931,7 +3940,7 @@
       </p:sp>
       <p:pic>
         <p:nvPicPr>
-          <p:cNvPr id="4098" name="Picture 2"/>
+          <p:cNvPr id="3074" name="Picture 2"/>
           <p:cNvPicPr>
             <a:picLocks noChangeAspect="1" noChangeArrowheads="1"/>
           </p:cNvPicPr>
@@ -3946,8 +3955,8 @@
         </p:blipFill>
         <p:spPr bwMode="auto">
           <a:xfrm>
-            <a:off x="500034" y="1714488"/>
-            <a:ext cx="7286676" cy="3000396"/>
+            <a:off x="714348" y="2285992"/>
+            <a:ext cx="7048500" cy="2786082"/>
           </a:xfrm>
           <a:prstGeom prst="rect">
             <a:avLst/>
@@ -4006,6 +4015,108 @@
           <a:p>
             <a:r>
               <a:rPr lang="en-US" dirty="0" smtClean="0"/>
+              <a:t>Phone number validation</a:t>
+            </a:r>
+            <a:endParaRPr lang="en-US" dirty="0"/>
+          </a:p>
+        </p:txBody>
+      </p:sp>
+      <p:sp>
+        <p:nvSpPr>
+          <p:cNvPr id="4" name="Content Placeholder 3"/>
+          <p:cNvSpPr>
+            <a:spLocks noGrp="1"/>
+          </p:cNvSpPr>
+          <p:nvPr>
+            <p:ph idx="1"/>
+          </p:nvPr>
+        </p:nvSpPr>
+        <p:spPr/>
+        <p:txBody>
+          <a:bodyPr/>
+          <a:lstStyle/>
+          <a:p>
+            <a:endParaRPr lang="en-US"/>
+          </a:p>
+        </p:txBody>
+      </p:sp>
+      <p:pic>
+        <p:nvPicPr>
+          <p:cNvPr id="4098" name="Picture 2"/>
+          <p:cNvPicPr>
+            <a:picLocks noChangeAspect="1" noChangeArrowheads="1"/>
+          </p:cNvPicPr>
+          <p:nvPr/>
+        </p:nvPicPr>
+        <p:blipFill>
+          <a:blip r:embed="rId2"/>
+          <a:srcRect/>
+          <a:stretch>
+            <a:fillRect/>
+          </a:stretch>
+        </p:blipFill>
+        <p:spPr bwMode="auto">
+          <a:xfrm>
+            <a:off x="500034" y="1714488"/>
+            <a:ext cx="7286676" cy="3000396"/>
+          </a:xfrm>
+          <a:prstGeom prst="rect">
+            <a:avLst/>
+          </a:prstGeom>
+          <a:noFill/>
+          <a:ln w="9525">
+            <a:noFill/>
+            <a:miter lim="800000"/>
+            <a:headEnd/>
+            <a:tailEnd/>
+          </a:ln>
+          <a:effectLst/>
+        </p:spPr>
+      </p:pic>
+    </p:spTree>
+  </p:cSld>
+  <p:clrMapOvr>
+    <a:masterClrMapping/>
+  </p:clrMapOvr>
+</p:sld>
+</file>
+
+<file path=ppt/slides/slide14.xml><?xml version="1.0" encoding="utf-8"?>
+<p:sld xmlns:a="http://schemas.openxmlformats.org/drawingml/2006/main" xmlns:r="http://schemas.openxmlformats.org/officeDocument/2006/relationships" xmlns:p="http://schemas.openxmlformats.org/presentationml/2006/main">
+  <p:cSld>
+    <p:spTree>
+      <p:nvGrpSpPr>
+        <p:cNvPr id="1" name=""/>
+        <p:cNvGrpSpPr/>
+        <p:nvPr/>
+      </p:nvGrpSpPr>
+      <p:grpSpPr>
+        <a:xfrm>
+          <a:off x="0" y="0"/>
+          <a:ext cx="0" cy="0"/>
+          <a:chOff x="0" y="0"/>
+          <a:chExt cx="0" cy="0"/>
+        </a:xfrm>
+      </p:grpSpPr>
+      <p:sp>
+        <p:nvSpPr>
+          <p:cNvPr id="2" name="Title 1"/>
+          <p:cNvSpPr>
+            <a:spLocks noGrp="1"/>
+          </p:cNvSpPr>
+          <p:nvPr>
+            <p:ph type="title"/>
+          </p:nvPr>
+        </p:nvSpPr>
+        <p:spPr/>
+        <p:txBody>
+          <a:bodyPr>
+            <a:normAutofit/>
+          </a:bodyPr>
+          <a:lstStyle/>
+          <a:p>
+            <a:r>
+              <a:rPr lang="en-US" dirty="0" smtClean="0"/>
               <a:t>Description </a:t>
             </a:r>
             <a:endParaRPr lang="en-US" dirty="0"/>
@@ -4682,43 +4793,6 @@
         </p:nvSpPr>
         <p:spPr/>
         <p:txBody>
-          <a:bodyPr>
-            <a:normAutofit fontScale="90000"/>
-          </a:bodyPr>
-          <a:lstStyle/>
-          <a:p>
-            <a:r>
-              <a:rPr lang="en-IN" dirty="0" err="1" smtClean="0"/>
-              <a:t>firstName</a:t>
-            </a:r>
-            <a:r>
-              <a:rPr lang="en-IN" dirty="0" smtClean="0"/>
-              <a:t> and </a:t>
-            </a:r>
-            <a:r>
-              <a:rPr lang="en-IN" dirty="0" err="1" smtClean="0"/>
-              <a:t>LastName</a:t>
-            </a:r>
-            <a:r>
-              <a:rPr lang="en-IN" dirty="0" smtClean="0"/>
-              <a:t> validation</a:t>
-            </a:r>
-            <a:endParaRPr lang="en-US" dirty="0"/>
-          </a:p>
-        </p:txBody>
-      </p:sp>
-      <p:sp>
-        <p:nvSpPr>
-          <p:cNvPr id="4" name="Content Placeholder 3"/>
-          <p:cNvSpPr>
-            <a:spLocks noGrp="1"/>
-          </p:cNvSpPr>
-          <p:nvPr>
-            <p:ph idx="1"/>
-          </p:nvPr>
-        </p:nvSpPr>
-        <p:spPr/>
-        <p:txBody>
           <a:bodyPr/>
           <a:lstStyle/>
           <a:p>
@@ -4728,11 +4802,13 @@
       </p:sp>
       <p:pic>
         <p:nvPicPr>
-          <p:cNvPr id="3" name="Picture 2"/>
+          <p:cNvPr id="1026" name="Picture 2"/>
           <p:cNvPicPr>
-            <a:picLocks noChangeAspect="1" noChangeArrowheads="1"/>
+            <a:picLocks noGrp="1" noChangeAspect="1" noChangeArrowheads="1"/>
           </p:cNvPicPr>
-          <p:nvPr/>
+          <p:nvPr>
+            <p:ph idx="1"/>
+          </p:nvPr>
         </p:nvPicPr>
         <p:blipFill>
           <a:blip r:embed="rId2"/>
@@ -4743,8 +4819,41 @@
         </p:blipFill>
         <p:spPr bwMode="auto">
           <a:xfrm>
-            <a:off x="1428728" y="2214554"/>
-            <a:ext cx="5534025" cy="3786214"/>
+            <a:off x="928662" y="1643050"/>
+            <a:ext cx="6858048" cy="2214578"/>
+          </a:xfrm>
+          <a:prstGeom prst="rect">
+            <a:avLst/>
+          </a:prstGeom>
+          <a:noFill/>
+          <a:ln w="9525">
+            <a:noFill/>
+            <a:miter lim="800000"/>
+            <a:headEnd/>
+            <a:tailEnd/>
+          </a:ln>
+          <a:effectLst/>
+        </p:spPr>
+      </p:pic>
+      <p:pic>
+        <p:nvPicPr>
+          <p:cNvPr id="1027" name="Picture 3"/>
+          <p:cNvPicPr>
+            <a:picLocks noChangeAspect="1" noChangeArrowheads="1"/>
+          </p:cNvPicPr>
+          <p:nvPr/>
+        </p:nvPicPr>
+        <p:blipFill>
+          <a:blip r:embed="rId3"/>
+          <a:srcRect/>
+          <a:stretch>
+            <a:fillRect/>
+          </a:stretch>
+        </p:blipFill>
+        <p:spPr bwMode="auto">
+          <a:xfrm>
+            <a:off x="1285852" y="4071942"/>
+            <a:ext cx="5829300" cy="2581275"/>
           </a:xfrm>
           <a:prstGeom prst="rect">
             <a:avLst/>
